--- a/lectures/infrastructure-week-14-final.pptx
+++ b/lectures/infrastructure-week-14-final.pptx
@@ -104,6 +104,11 @@
       </a:defRPr>
     </a:lvl9pPr>
   </p:defaultTextStyle>
+  <p:extLst>
+    <p:ext uri="{EFAFB233-063F-42B5-8137-9DF3F51BA10A}">
+      <p15:sldGuideLst xmlns:p15="http://schemas.microsoft.com/office/powerpoint/2012/main"/>
+    </p:ext>
+  </p:extLst>
 </p:presentation>
 </file>
 
@@ -238,7 +243,7 @@
           <a:p>
             <a:fld id="{EC4EA31E-8F8E-874E-8707-EA6F71849ACC}" type="datetimeFigureOut">
               <a:rPr lang="en-US" smtClean="0"/>
-              <a:t>12/12/16</a:t>
+              <a:t>5/14/17</a:t>
             </a:fld>
             <a:endParaRPr lang="en-US"/>
           </a:p>
@@ -403,7 +408,7 @@
           <a:p>
             <a:fld id="{EC4EA31E-8F8E-874E-8707-EA6F71849ACC}" type="datetimeFigureOut">
               <a:rPr lang="en-US" smtClean="0"/>
-              <a:t>12/12/16</a:t>
+              <a:t>5/14/17</a:t>
             </a:fld>
             <a:endParaRPr lang="en-US"/>
           </a:p>
@@ -578,7 +583,7 @@
           <a:p>
             <a:fld id="{EC4EA31E-8F8E-874E-8707-EA6F71849ACC}" type="datetimeFigureOut">
               <a:rPr lang="en-US" smtClean="0"/>
-              <a:t>12/12/16</a:t>
+              <a:t>5/14/17</a:t>
             </a:fld>
             <a:endParaRPr lang="en-US"/>
           </a:p>
@@ -743,7 +748,7 @@
           <a:p>
             <a:fld id="{EC4EA31E-8F8E-874E-8707-EA6F71849ACC}" type="datetimeFigureOut">
               <a:rPr lang="en-US" smtClean="0"/>
-              <a:t>12/12/16</a:t>
+              <a:t>5/14/17</a:t>
             </a:fld>
             <a:endParaRPr lang="en-US"/>
           </a:p>
@@ -984,7 +989,7 @@
           <a:p>
             <a:fld id="{EC4EA31E-8F8E-874E-8707-EA6F71849ACC}" type="datetimeFigureOut">
               <a:rPr lang="en-US" smtClean="0"/>
-              <a:t>12/12/16</a:t>
+              <a:t>5/14/17</a:t>
             </a:fld>
             <a:endParaRPr lang="en-US"/>
           </a:p>
@@ -1211,7 +1216,7 @@
           <a:p>
             <a:fld id="{EC4EA31E-8F8E-874E-8707-EA6F71849ACC}" type="datetimeFigureOut">
               <a:rPr lang="en-US" smtClean="0"/>
-              <a:t>12/12/16</a:t>
+              <a:t>5/14/17</a:t>
             </a:fld>
             <a:endParaRPr lang="en-US"/>
           </a:p>
@@ -1573,7 +1578,7 @@
           <a:p>
             <a:fld id="{EC4EA31E-8F8E-874E-8707-EA6F71849ACC}" type="datetimeFigureOut">
               <a:rPr lang="en-US" smtClean="0"/>
-              <a:t>12/12/16</a:t>
+              <a:t>5/14/17</a:t>
             </a:fld>
             <a:endParaRPr lang="en-US"/>
           </a:p>
@@ -1686,7 +1691,7 @@
           <a:p>
             <a:fld id="{EC4EA31E-8F8E-874E-8707-EA6F71849ACC}" type="datetimeFigureOut">
               <a:rPr lang="en-US" smtClean="0"/>
-              <a:t>12/12/16</a:t>
+              <a:t>5/14/17</a:t>
             </a:fld>
             <a:endParaRPr lang="en-US"/>
           </a:p>
@@ -1776,7 +1781,7 @@
           <a:p>
             <a:fld id="{EC4EA31E-8F8E-874E-8707-EA6F71849ACC}" type="datetimeFigureOut">
               <a:rPr lang="en-US" smtClean="0"/>
-              <a:t>12/12/16</a:t>
+              <a:t>5/14/17</a:t>
             </a:fld>
             <a:endParaRPr lang="en-US"/>
           </a:p>
@@ -2048,7 +2053,7 @@
           <a:p>
             <a:fld id="{EC4EA31E-8F8E-874E-8707-EA6F71849ACC}" type="datetimeFigureOut">
               <a:rPr lang="en-US" smtClean="0"/>
-              <a:t>12/12/16</a:t>
+              <a:t>5/14/17</a:t>
             </a:fld>
             <a:endParaRPr lang="en-US"/>
           </a:p>
@@ -2300,7 +2305,7 @@
           <a:p>
             <a:fld id="{EC4EA31E-8F8E-874E-8707-EA6F71849ACC}" type="datetimeFigureOut">
               <a:rPr lang="en-US" smtClean="0"/>
-              <a:t>12/12/16</a:t>
+              <a:t>5/14/17</a:t>
             </a:fld>
             <a:endParaRPr lang="en-US"/>
           </a:p>
@@ -2508,7 +2513,7 @@
           <a:p>
             <a:fld id="{EC4EA31E-8F8E-874E-8707-EA6F71849ACC}" type="datetimeFigureOut">
               <a:rPr lang="en-US" smtClean="0"/>
-              <a:t>12/12/16</a:t>
+              <a:t>5/14/17</a:t>
             </a:fld>
             <a:endParaRPr lang="en-US"/>
           </a:p>
@@ -2980,7 +2985,7 @@
         </p:spPr>
         <p:txBody>
           <a:bodyPr>
-            <a:normAutofit fontScale="85000" lnSpcReduction="20000"/>
+            <a:normAutofit lnSpcReduction="10000"/>
           </a:bodyPr>
           <a:lstStyle/>
           <a:p>
@@ -2990,7 +2995,35 @@
             </a:pPr>
             <a:r>
               <a:rPr lang="en-US" dirty="0" smtClean="0"/>
-              <a:t>54 Questions (24 true/false &amp; 30 multiple choice)</a:t>
+              <a:t>48</a:t>
+            </a:r>
+            <a:r>
+              <a:rPr lang="en-US" dirty="0" smtClean="0"/>
+              <a:t> </a:t>
+            </a:r>
+            <a:r>
+              <a:rPr lang="en-US" dirty="0" smtClean="0"/>
+              <a:t>Questions (</a:t>
+            </a:r>
+            <a:r>
+              <a:rPr lang="en-US" dirty="0" smtClean="0"/>
+              <a:t>20 </a:t>
+            </a:r>
+            <a:r>
+              <a:rPr lang="en-US" dirty="0" smtClean="0"/>
+              <a:t>true/false &amp; </a:t>
+            </a:r>
+            <a:r>
+              <a:rPr lang="en-US" dirty="0" smtClean="0"/>
+              <a:t>28</a:t>
+            </a:r>
+            <a:r>
+              <a:rPr lang="en-US" dirty="0" smtClean="0"/>
+              <a:t> </a:t>
+            </a:r>
+            <a:r>
+              <a:rPr lang="en-US" dirty="0" smtClean="0"/>
+              <a:t>multiple choice)</a:t>
             </a:r>
           </a:p>
           <a:p>
@@ -3027,25 +3060,13 @@
             </a:pPr>
             <a:r>
               <a:rPr lang="en-US" dirty="0" smtClean="0"/>
-              <a:t>You have the entire class period (but it shouldn’t take that long). </a:t>
-            </a:r>
-          </a:p>
-          <a:p>
-            <a:pPr marL="342900" indent="-342900" algn="l">
-              <a:buFont typeface="Arial" charset="0"/>
-              <a:buChar char="•"/>
-            </a:pPr>
+              <a:t>You have </a:t>
+            </a:r>
+            <a:r>
+              <a:rPr lang="en-US" dirty="0" smtClean="0"/>
+              <a:t>2 hours to complete the test. </a:t>
+            </a:r>
             <a:endParaRPr lang="en-US" dirty="0" smtClean="0"/>
-          </a:p>
-          <a:p>
-            <a:pPr marL="342900" indent="-342900" algn="l">
-              <a:buFont typeface="Arial" charset="0"/>
-              <a:buChar char="•"/>
-            </a:pPr>
-            <a:r>
-              <a:rPr lang="en-US" dirty="0" smtClean="0"/>
-              <a:t>Please print your name on blank sheet of paper I provided and turn it in after completing the exam.</a:t>
-            </a:r>
           </a:p>
           <a:p>
             <a:pPr marL="342900" indent="-342900" algn="l">

--- a/lectures/infrastructure-week-14-final.pptx
+++ b/lectures/infrastructure-week-14-final.pptx
@@ -243,7 +243,7 @@
           <a:p>
             <a:fld id="{EC4EA31E-8F8E-874E-8707-EA6F71849ACC}" type="datetimeFigureOut">
               <a:rPr lang="en-US" smtClean="0"/>
-              <a:t>5/14/17</a:t>
+              <a:t>12/3/17</a:t>
             </a:fld>
             <a:endParaRPr lang="en-US"/>
           </a:p>
@@ -408,7 +408,7 @@
           <a:p>
             <a:fld id="{EC4EA31E-8F8E-874E-8707-EA6F71849ACC}" type="datetimeFigureOut">
               <a:rPr lang="en-US" smtClean="0"/>
-              <a:t>5/14/17</a:t>
+              <a:t>12/3/17</a:t>
             </a:fld>
             <a:endParaRPr lang="en-US"/>
           </a:p>
@@ -583,7 +583,7 @@
           <a:p>
             <a:fld id="{EC4EA31E-8F8E-874E-8707-EA6F71849ACC}" type="datetimeFigureOut">
               <a:rPr lang="en-US" smtClean="0"/>
-              <a:t>5/14/17</a:t>
+              <a:t>12/3/17</a:t>
             </a:fld>
             <a:endParaRPr lang="en-US"/>
           </a:p>
@@ -748,7 +748,7 @@
           <a:p>
             <a:fld id="{EC4EA31E-8F8E-874E-8707-EA6F71849ACC}" type="datetimeFigureOut">
               <a:rPr lang="en-US" smtClean="0"/>
-              <a:t>5/14/17</a:t>
+              <a:t>12/3/17</a:t>
             </a:fld>
             <a:endParaRPr lang="en-US"/>
           </a:p>
@@ -989,7 +989,7 @@
           <a:p>
             <a:fld id="{EC4EA31E-8F8E-874E-8707-EA6F71849ACC}" type="datetimeFigureOut">
               <a:rPr lang="en-US" smtClean="0"/>
-              <a:t>5/14/17</a:t>
+              <a:t>12/3/17</a:t>
             </a:fld>
             <a:endParaRPr lang="en-US"/>
           </a:p>
@@ -1216,7 +1216,7 @@
           <a:p>
             <a:fld id="{EC4EA31E-8F8E-874E-8707-EA6F71849ACC}" type="datetimeFigureOut">
               <a:rPr lang="en-US" smtClean="0"/>
-              <a:t>5/14/17</a:t>
+              <a:t>12/3/17</a:t>
             </a:fld>
             <a:endParaRPr lang="en-US"/>
           </a:p>
@@ -1578,7 +1578,7 @@
           <a:p>
             <a:fld id="{EC4EA31E-8F8E-874E-8707-EA6F71849ACC}" type="datetimeFigureOut">
               <a:rPr lang="en-US" smtClean="0"/>
-              <a:t>5/14/17</a:t>
+              <a:t>12/3/17</a:t>
             </a:fld>
             <a:endParaRPr lang="en-US"/>
           </a:p>
@@ -1691,7 +1691,7 @@
           <a:p>
             <a:fld id="{EC4EA31E-8F8E-874E-8707-EA6F71849ACC}" type="datetimeFigureOut">
               <a:rPr lang="en-US" smtClean="0"/>
-              <a:t>5/14/17</a:t>
+              <a:t>12/3/17</a:t>
             </a:fld>
             <a:endParaRPr lang="en-US"/>
           </a:p>
@@ -1781,7 +1781,7 @@
           <a:p>
             <a:fld id="{EC4EA31E-8F8E-874E-8707-EA6F71849ACC}" type="datetimeFigureOut">
               <a:rPr lang="en-US" smtClean="0"/>
-              <a:t>5/14/17</a:t>
+              <a:t>12/3/17</a:t>
             </a:fld>
             <a:endParaRPr lang="en-US"/>
           </a:p>
@@ -2053,7 +2053,7 @@
           <a:p>
             <a:fld id="{EC4EA31E-8F8E-874E-8707-EA6F71849ACC}" type="datetimeFigureOut">
               <a:rPr lang="en-US" smtClean="0"/>
-              <a:t>5/14/17</a:t>
+              <a:t>12/3/17</a:t>
             </a:fld>
             <a:endParaRPr lang="en-US"/>
           </a:p>
@@ -2305,7 +2305,7 @@
           <a:p>
             <a:fld id="{EC4EA31E-8F8E-874E-8707-EA6F71849ACC}" type="datetimeFigureOut">
               <a:rPr lang="en-US" smtClean="0"/>
-              <a:t>5/14/17</a:t>
+              <a:t>12/3/17</a:t>
             </a:fld>
             <a:endParaRPr lang="en-US"/>
           </a:p>
@@ -2513,7 +2513,7 @@
           <a:p>
             <a:fld id="{EC4EA31E-8F8E-874E-8707-EA6F71849ACC}" type="datetimeFigureOut">
               <a:rPr lang="en-US" smtClean="0"/>
-              <a:t>5/14/17</a:t>
+              <a:t>12/3/17</a:t>
             </a:fld>
             <a:endParaRPr lang="en-US"/>
           </a:p>
@@ -2948,20 +2948,24 @@
               <a:rPr lang="en-US" sz="3600" dirty="0"/>
             </a:br>
             <a:r>
-              <a:rPr lang="en-US" sz="3600"/>
+              <a:rPr lang="en-US" sz="3600" dirty="0"/>
               <a:t>SEIS </a:t>
             </a:r>
             <a:r>
-              <a:rPr lang="en-US" sz="3600" smtClean="0"/>
+              <a:rPr lang="en-US" sz="3600" dirty="0" smtClean="0"/>
               <a:t>665</a:t>
             </a:r>
             <a:r>
-              <a:rPr lang="en-US" sz="3600"/>
+              <a:rPr lang="en-US" sz="3600" dirty="0"/>
               <a:t> </a:t>
             </a:r>
             <a:r>
-              <a:rPr lang="en-US" sz="3600" smtClean="0"/>
-              <a:t>Final Exam</a:t>
+              <a:rPr lang="en-US" sz="3600" dirty="0" smtClean="0"/>
+              <a:t>Final </a:t>
+            </a:r>
+            <a:r>
+              <a:rPr lang="en-US" sz="3600" dirty="0" smtClean="0"/>
+              <a:t>Challenge</a:t>
             </a:r>
             <a:endParaRPr lang="en-US" sz="3600" dirty="0"/>
           </a:p>
@@ -2985,7 +2989,7 @@
         </p:spPr>
         <p:txBody>
           <a:bodyPr>
-            <a:normAutofit lnSpcReduction="10000"/>
+            <a:normAutofit fontScale="92500" lnSpcReduction="20000"/>
           </a:bodyPr>
           <a:lstStyle/>
           <a:p>
@@ -2995,56 +2999,17 @@
             </a:pPr>
             <a:r>
               <a:rPr lang="en-US" dirty="0" smtClean="0"/>
-              <a:t>48</a:t>
+              <a:t>Practical exam incorporating technologies from the 2</a:t>
+            </a:r>
+            <a:r>
+              <a:rPr lang="en-US" baseline="30000" dirty="0" smtClean="0"/>
+              <a:t>nd</a:t>
             </a:r>
             <a:r>
               <a:rPr lang="en-US" dirty="0" smtClean="0"/>
-              <a:t> </a:t>
-            </a:r>
-            <a:r>
-              <a:rPr lang="en-US" dirty="0" smtClean="0"/>
-              <a:t>Questions (</a:t>
-            </a:r>
-            <a:r>
-              <a:rPr lang="en-US" dirty="0" smtClean="0"/>
-              <a:t>20 </a:t>
-            </a:r>
-            <a:r>
-              <a:rPr lang="en-US" dirty="0" smtClean="0"/>
-              <a:t>true/false &amp; </a:t>
-            </a:r>
-            <a:r>
-              <a:rPr lang="en-US" dirty="0" smtClean="0"/>
-              <a:t>28</a:t>
-            </a:r>
-            <a:r>
-              <a:rPr lang="en-US" dirty="0" smtClean="0"/>
-              <a:t> </a:t>
-            </a:r>
-            <a:r>
-              <a:rPr lang="en-US" dirty="0" smtClean="0"/>
-              <a:t>multiple choice)</a:t>
-            </a:r>
-          </a:p>
-          <a:p>
-            <a:pPr marL="800100" lvl="1" indent="-342900" algn="l">
-              <a:buFont typeface="Arial" charset="0"/>
-              <a:buChar char="•"/>
-            </a:pPr>
-            <a:r>
-              <a:rPr lang="en-US" dirty="0" smtClean="0"/>
-              <a:t>True/false = 40%</a:t>
-            </a:r>
-          </a:p>
-          <a:p>
-            <a:pPr marL="800100" lvl="1" indent="-342900" algn="l">
-              <a:buFont typeface="Arial" charset="0"/>
-              <a:buChar char="•"/>
-            </a:pPr>
-            <a:r>
-              <a:rPr lang="en-US" dirty="0" smtClean="0"/>
-              <a:t>Multiple choice = 60%</a:t>
-            </a:r>
+              <a:t> half of the semester.</a:t>
+            </a:r>
+            <a:endParaRPr lang="en-US" dirty="0" smtClean="0"/>
           </a:p>
           <a:p>
             <a:pPr marL="342900" indent="-342900" algn="l">
@@ -3064,9 +3029,12 @@
             </a:r>
             <a:r>
               <a:rPr lang="en-US" dirty="0" smtClean="0"/>
-              <a:t>2 hours to complete the test. </a:t>
-            </a:r>
-            <a:endParaRPr lang="en-US" dirty="0" smtClean="0"/>
+              <a:t>3 </a:t>
+            </a:r>
+            <a:r>
+              <a:rPr lang="en-US" dirty="0" smtClean="0"/>
+              <a:t>hours to complete the test. </a:t>
+            </a:r>
           </a:p>
           <a:p>
             <a:pPr marL="342900" indent="-342900" algn="l">
@@ -3082,8 +3050,26 @@
             </a:pPr>
             <a:r>
               <a:rPr lang="en-US" dirty="0" smtClean="0"/>
-              <a:t>Select the best answer. Don’t over-analyze the questions. </a:t>
-            </a:r>
+              <a:t>Open book and Internet access. Slack and other private communications are forbidden.</a:t>
+            </a:r>
+          </a:p>
+          <a:p>
+            <a:pPr marL="342900" indent="-342900" algn="l">
+              <a:buFont typeface="Arial" charset="0"/>
+              <a:buChar char="•"/>
+            </a:pPr>
+            <a:endParaRPr lang="en-US" dirty="0"/>
+          </a:p>
+          <a:p>
+            <a:pPr marL="342900" indent="-342900" algn="l">
+              <a:buFont typeface="Arial" charset="0"/>
+              <a:buChar char="•"/>
+            </a:pPr>
+            <a:r>
+              <a:rPr lang="en-US" dirty="0" smtClean="0"/>
+              <a:t>You must submit a GitHub repository to receive credit for the exam.</a:t>
+            </a:r>
+            <a:endParaRPr lang="en-US" dirty="0" smtClean="0"/>
           </a:p>
           <a:p>
             <a:pPr marL="342900" indent="-342900" algn="l">

--- a/lectures/infrastructure-week-14-final.pptx
+++ b/lectures/infrastructure-week-14-final.pptx
@@ -243,7 +243,7 @@
           <a:p>
             <a:fld id="{EC4EA31E-8F8E-874E-8707-EA6F71849ACC}" type="datetimeFigureOut">
               <a:rPr lang="en-US" smtClean="0"/>
-              <a:t>12/3/17</a:t>
+              <a:t>12/11/17</a:t>
             </a:fld>
             <a:endParaRPr lang="en-US"/>
           </a:p>
@@ -408,7 +408,7 @@
           <a:p>
             <a:fld id="{EC4EA31E-8F8E-874E-8707-EA6F71849ACC}" type="datetimeFigureOut">
               <a:rPr lang="en-US" smtClean="0"/>
-              <a:t>12/3/17</a:t>
+              <a:t>12/11/17</a:t>
             </a:fld>
             <a:endParaRPr lang="en-US"/>
           </a:p>
@@ -583,7 +583,7 @@
           <a:p>
             <a:fld id="{EC4EA31E-8F8E-874E-8707-EA6F71849ACC}" type="datetimeFigureOut">
               <a:rPr lang="en-US" smtClean="0"/>
-              <a:t>12/3/17</a:t>
+              <a:t>12/11/17</a:t>
             </a:fld>
             <a:endParaRPr lang="en-US"/>
           </a:p>
@@ -748,7 +748,7 @@
           <a:p>
             <a:fld id="{EC4EA31E-8F8E-874E-8707-EA6F71849ACC}" type="datetimeFigureOut">
               <a:rPr lang="en-US" smtClean="0"/>
-              <a:t>12/3/17</a:t>
+              <a:t>12/11/17</a:t>
             </a:fld>
             <a:endParaRPr lang="en-US"/>
           </a:p>
@@ -989,7 +989,7 @@
           <a:p>
             <a:fld id="{EC4EA31E-8F8E-874E-8707-EA6F71849ACC}" type="datetimeFigureOut">
               <a:rPr lang="en-US" smtClean="0"/>
-              <a:t>12/3/17</a:t>
+              <a:t>12/11/17</a:t>
             </a:fld>
             <a:endParaRPr lang="en-US"/>
           </a:p>
@@ -1216,7 +1216,7 @@
           <a:p>
             <a:fld id="{EC4EA31E-8F8E-874E-8707-EA6F71849ACC}" type="datetimeFigureOut">
               <a:rPr lang="en-US" smtClean="0"/>
-              <a:t>12/3/17</a:t>
+              <a:t>12/11/17</a:t>
             </a:fld>
             <a:endParaRPr lang="en-US"/>
           </a:p>
@@ -1578,7 +1578,7 @@
           <a:p>
             <a:fld id="{EC4EA31E-8F8E-874E-8707-EA6F71849ACC}" type="datetimeFigureOut">
               <a:rPr lang="en-US" smtClean="0"/>
-              <a:t>12/3/17</a:t>
+              <a:t>12/11/17</a:t>
             </a:fld>
             <a:endParaRPr lang="en-US"/>
           </a:p>
@@ -1691,7 +1691,7 @@
           <a:p>
             <a:fld id="{EC4EA31E-8F8E-874E-8707-EA6F71849ACC}" type="datetimeFigureOut">
               <a:rPr lang="en-US" smtClean="0"/>
-              <a:t>12/3/17</a:t>
+              <a:t>12/11/17</a:t>
             </a:fld>
             <a:endParaRPr lang="en-US"/>
           </a:p>
@@ -1781,7 +1781,7 @@
           <a:p>
             <a:fld id="{EC4EA31E-8F8E-874E-8707-EA6F71849ACC}" type="datetimeFigureOut">
               <a:rPr lang="en-US" smtClean="0"/>
-              <a:t>12/3/17</a:t>
+              <a:t>12/11/17</a:t>
             </a:fld>
             <a:endParaRPr lang="en-US"/>
           </a:p>
@@ -2053,7 +2053,7 @@
           <a:p>
             <a:fld id="{EC4EA31E-8F8E-874E-8707-EA6F71849ACC}" type="datetimeFigureOut">
               <a:rPr lang="en-US" smtClean="0"/>
-              <a:t>12/3/17</a:t>
+              <a:t>12/11/17</a:t>
             </a:fld>
             <a:endParaRPr lang="en-US"/>
           </a:p>
@@ -2305,7 +2305,7 @@
           <a:p>
             <a:fld id="{EC4EA31E-8F8E-874E-8707-EA6F71849ACC}" type="datetimeFigureOut">
               <a:rPr lang="en-US" smtClean="0"/>
-              <a:t>12/3/17</a:t>
+              <a:t>12/11/17</a:t>
             </a:fld>
             <a:endParaRPr lang="en-US"/>
           </a:p>
@@ -2513,7 +2513,7 @@
           <a:p>
             <a:fld id="{EC4EA31E-8F8E-874E-8707-EA6F71849ACC}" type="datetimeFigureOut">
               <a:rPr lang="en-US" smtClean="0"/>
-              <a:t>12/3/17</a:t>
+              <a:t>12/11/17</a:t>
             </a:fld>
             <a:endParaRPr lang="en-US"/>
           </a:p>
@@ -2961,11 +2961,7 @@
             </a:r>
             <a:r>
               <a:rPr lang="en-US" sz="3600" dirty="0" smtClean="0"/>
-              <a:t>Final </a:t>
-            </a:r>
-            <a:r>
-              <a:rPr lang="en-US" sz="3600" dirty="0" smtClean="0"/>
-              <a:t>Challenge</a:t>
+              <a:t>Final Challenge</a:t>
             </a:r>
             <a:endParaRPr lang="en-US" sz="3600" dirty="0"/>
           </a:p>
@@ -2983,13 +2979,13 @@
         </p:nvSpPr>
         <p:spPr>
           <a:xfrm>
-            <a:off x="1173707" y="2130187"/>
-            <a:ext cx="7767851" cy="3956714"/>
+            <a:off x="814389" y="1700213"/>
+            <a:ext cx="8127170" cy="4386688"/>
           </a:xfrm>
         </p:spPr>
         <p:txBody>
           <a:bodyPr>
-            <a:normAutofit fontScale="92500" lnSpcReduction="20000"/>
+            <a:normAutofit fontScale="85000" lnSpcReduction="20000"/>
           </a:bodyPr>
           <a:lstStyle/>
           <a:p>
@@ -2999,7 +2995,11 @@
             </a:pPr>
             <a:r>
               <a:rPr lang="en-US" dirty="0" smtClean="0"/>
-              <a:t>Practical exam incorporating technologies from the 2</a:t>
+              <a:t>Practical </a:t>
+            </a:r>
+            <a:r>
+              <a:rPr lang="en-US" dirty="0" smtClean="0"/>
+              <a:t>exam incorporating technologies from the 2</a:t>
             </a:r>
             <a:r>
               <a:rPr lang="en-US" baseline="30000" dirty="0" smtClean="0"/>
@@ -3007,9 +3007,12 @@
             </a:r>
             <a:r>
               <a:rPr lang="en-US" dirty="0" smtClean="0"/>
-              <a:t> half of the semester.</a:t>
-            </a:r>
-            <a:endParaRPr lang="en-US" dirty="0" smtClean="0"/>
+              <a:t> half of the semester</a:t>
+            </a:r>
+            <a:r>
+              <a:rPr lang="en-US" dirty="0" smtClean="0"/>
+              <a:t>.</a:t>
+            </a:r>
           </a:p>
           <a:p>
             <a:pPr marL="342900" indent="-342900" algn="l">
@@ -3025,16 +3028,9 @@
             </a:pPr>
             <a:r>
               <a:rPr lang="en-US" dirty="0" smtClean="0"/>
-              <a:t>You have </a:t>
-            </a:r>
-            <a:r>
-              <a:rPr lang="en-US" dirty="0" smtClean="0"/>
-              <a:t>3 </a:t>
-            </a:r>
-            <a:r>
-              <a:rPr lang="en-US" dirty="0" smtClean="0"/>
-              <a:t>hours to complete the test. </a:t>
-            </a:r>
+              <a:t>Complete IDEA web evaluation!</a:t>
+            </a:r>
+            <a:endParaRPr lang="en-US" dirty="0" smtClean="0"/>
           </a:p>
           <a:p>
             <a:pPr marL="342900" indent="-342900" algn="l">
@@ -3050,7 +3046,19 @@
             </a:pPr>
             <a:r>
               <a:rPr lang="en-US" dirty="0" smtClean="0"/>
-              <a:t>Open book and Internet access. Slack and other private communications are forbidden.</a:t>
+              <a:t>You </a:t>
+            </a:r>
+            <a:r>
+              <a:rPr lang="en-US" smtClean="0"/>
+              <a:t>have </a:t>
+            </a:r>
+            <a:r>
+              <a:rPr lang="en-US" smtClean="0"/>
+              <a:t>until 9PM CST to </a:t>
+            </a:r>
+            <a:r>
+              <a:rPr lang="en-US" dirty="0" smtClean="0"/>
+              <a:t>complete the test. </a:t>
             </a:r>
           </a:p>
           <a:p>
@@ -3067,9 +3075,25 @@
             </a:pPr>
             <a:r>
               <a:rPr lang="en-US" dirty="0" smtClean="0"/>
+              <a:t>Open book and Internet access. Slack and other private communications are forbidden.</a:t>
+            </a:r>
+          </a:p>
+          <a:p>
+            <a:pPr marL="342900" indent="-342900" algn="l">
+              <a:buFont typeface="Arial" charset="0"/>
+              <a:buChar char="•"/>
+            </a:pPr>
+            <a:endParaRPr lang="en-US" dirty="0"/>
+          </a:p>
+          <a:p>
+            <a:pPr marL="342900" indent="-342900" algn="l">
+              <a:buFont typeface="Arial" charset="0"/>
+              <a:buChar char="•"/>
+            </a:pPr>
+            <a:r>
+              <a:rPr lang="en-US" dirty="0" smtClean="0"/>
               <a:t>You must submit a GitHub repository to receive credit for the exam.</a:t>
             </a:r>
-            <a:endParaRPr lang="en-US" dirty="0" smtClean="0"/>
           </a:p>
           <a:p>
             <a:pPr marL="342900" indent="-342900" algn="l">
@@ -3158,6 +3182,13 @@
   <p:clrMapOvr>
     <a:masterClrMapping/>
   </p:clrMapOvr>
+  <p:timing>
+    <p:tnLst>
+      <p:par>
+        <p:cTn id="1" dur="indefinite" restart="never" nodeType="tmRoot"/>
+      </p:par>
+    </p:tnLst>
+  </p:timing>
 </p:sld>
 </file>
 

--- a/lectures/infrastructure-week-14-final.pptx
+++ b/lectures/infrastructure-week-14-final.pptx
@@ -154,7 +154,7 @@
           </a:lstStyle>
           <a:p>
             <a:r>
-              <a:rPr lang="en-US" smtClean="0"/>
+              <a:rPr lang="en-US"/>
               <a:t>Click to edit Master title style</a:t>
             </a:r>
             <a:endParaRPr lang="en-US" dirty="0"/>
@@ -219,7 +219,7 @@
           </a:lstStyle>
           <a:p>
             <a:r>
-              <a:rPr lang="en-US" smtClean="0"/>
+              <a:rPr lang="en-US"/>
               <a:t>Click to edit Master subtitle style</a:t>
             </a:r>
             <a:endParaRPr lang="en-US" dirty="0"/>
@@ -243,7 +243,7 @@
           <a:p>
             <a:fld id="{EC4EA31E-8F8E-874E-8707-EA6F71849ACC}" type="datetimeFigureOut">
               <a:rPr lang="en-US" smtClean="0"/>
-              <a:t>12/11/17</a:t>
+              <a:t>8/10/20</a:t>
             </a:fld>
             <a:endParaRPr lang="en-US"/>
           </a:p>
@@ -332,7 +332,7 @@
           <a:lstStyle/>
           <a:p>
             <a:r>
-              <a:rPr lang="en-US" smtClean="0"/>
+              <a:rPr lang="en-US"/>
               <a:t>Click to edit Master title style</a:t>
             </a:r>
             <a:endParaRPr lang="en-US" dirty="0"/>
@@ -356,35 +356,35 @@
           <a:p>
             <a:pPr lvl="0"/>
             <a:r>
-              <a:rPr lang="en-US" smtClean="0"/>
+              <a:rPr lang="en-US"/>
               <a:t>Click to edit Master text styles</a:t>
             </a:r>
           </a:p>
           <a:p>
             <a:pPr lvl="1"/>
             <a:r>
-              <a:rPr lang="en-US" smtClean="0"/>
+              <a:rPr lang="en-US"/>
               <a:t>Second level</a:t>
             </a:r>
           </a:p>
           <a:p>
             <a:pPr lvl="2"/>
             <a:r>
-              <a:rPr lang="en-US" smtClean="0"/>
+              <a:rPr lang="en-US"/>
               <a:t>Third level</a:t>
             </a:r>
           </a:p>
           <a:p>
             <a:pPr lvl="3"/>
             <a:r>
-              <a:rPr lang="en-US" smtClean="0"/>
+              <a:rPr lang="en-US"/>
               <a:t>Fourth level</a:t>
             </a:r>
           </a:p>
           <a:p>
             <a:pPr lvl="4"/>
             <a:r>
-              <a:rPr lang="en-US" smtClean="0"/>
+              <a:rPr lang="en-US"/>
               <a:t>Fifth level</a:t>
             </a:r>
             <a:endParaRPr lang="en-US" dirty="0"/>
@@ -408,7 +408,7 @@
           <a:p>
             <a:fld id="{EC4EA31E-8F8E-874E-8707-EA6F71849ACC}" type="datetimeFigureOut">
               <a:rPr lang="en-US" smtClean="0"/>
-              <a:t>12/11/17</a:t>
+              <a:t>8/10/20</a:t>
             </a:fld>
             <a:endParaRPr lang="en-US"/>
           </a:p>
@@ -502,7 +502,7 @@
           <a:lstStyle/>
           <a:p>
             <a:r>
-              <a:rPr lang="en-US" smtClean="0"/>
+              <a:rPr lang="en-US"/>
               <a:t>Click to edit Master title style</a:t>
             </a:r>
             <a:endParaRPr lang="en-US" dirty="0"/>
@@ -531,35 +531,35 @@
           <a:p>
             <a:pPr lvl="0"/>
             <a:r>
-              <a:rPr lang="en-US" smtClean="0"/>
+              <a:rPr lang="en-US"/>
               <a:t>Click to edit Master text styles</a:t>
             </a:r>
           </a:p>
           <a:p>
             <a:pPr lvl="1"/>
             <a:r>
-              <a:rPr lang="en-US" smtClean="0"/>
+              <a:rPr lang="en-US"/>
               <a:t>Second level</a:t>
             </a:r>
           </a:p>
           <a:p>
             <a:pPr lvl="2"/>
             <a:r>
-              <a:rPr lang="en-US" smtClean="0"/>
+              <a:rPr lang="en-US"/>
               <a:t>Third level</a:t>
             </a:r>
           </a:p>
           <a:p>
             <a:pPr lvl="3"/>
             <a:r>
-              <a:rPr lang="en-US" smtClean="0"/>
+              <a:rPr lang="en-US"/>
               <a:t>Fourth level</a:t>
             </a:r>
           </a:p>
           <a:p>
             <a:pPr lvl="4"/>
             <a:r>
-              <a:rPr lang="en-US" smtClean="0"/>
+              <a:rPr lang="en-US"/>
               <a:t>Fifth level</a:t>
             </a:r>
             <a:endParaRPr lang="en-US" dirty="0"/>
@@ -583,7 +583,7 @@
           <a:p>
             <a:fld id="{EC4EA31E-8F8E-874E-8707-EA6F71849ACC}" type="datetimeFigureOut">
               <a:rPr lang="en-US" smtClean="0"/>
-              <a:t>12/11/17</a:t>
+              <a:t>8/10/20</a:t>
             </a:fld>
             <a:endParaRPr lang="en-US"/>
           </a:p>
@@ -672,7 +672,7 @@
           <a:lstStyle/>
           <a:p>
             <a:r>
-              <a:rPr lang="en-US" smtClean="0"/>
+              <a:rPr lang="en-US"/>
               <a:t>Click to edit Master title style</a:t>
             </a:r>
             <a:endParaRPr lang="en-US" dirty="0"/>
@@ -696,35 +696,35 @@
           <a:p>
             <a:pPr lvl="0"/>
             <a:r>
-              <a:rPr lang="en-US" smtClean="0"/>
+              <a:rPr lang="en-US"/>
               <a:t>Click to edit Master text styles</a:t>
             </a:r>
           </a:p>
           <a:p>
             <a:pPr lvl="1"/>
             <a:r>
-              <a:rPr lang="en-US" smtClean="0"/>
+              <a:rPr lang="en-US"/>
               <a:t>Second level</a:t>
             </a:r>
           </a:p>
           <a:p>
             <a:pPr lvl="2"/>
             <a:r>
-              <a:rPr lang="en-US" smtClean="0"/>
+              <a:rPr lang="en-US"/>
               <a:t>Third level</a:t>
             </a:r>
           </a:p>
           <a:p>
             <a:pPr lvl="3"/>
             <a:r>
-              <a:rPr lang="en-US" smtClean="0"/>
+              <a:rPr lang="en-US"/>
               <a:t>Fourth level</a:t>
             </a:r>
           </a:p>
           <a:p>
             <a:pPr lvl="4"/>
             <a:r>
-              <a:rPr lang="en-US" smtClean="0"/>
+              <a:rPr lang="en-US"/>
               <a:t>Fifth level</a:t>
             </a:r>
             <a:endParaRPr lang="en-US" dirty="0"/>
@@ -748,7 +748,7 @@
           <a:p>
             <a:fld id="{EC4EA31E-8F8E-874E-8707-EA6F71849ACC}" type="datetimeFigureOut">
               <a:rPr lang="en-US" smtClean="0"/>
-              <a:t>12/11/17</a:t>
+              <a:t>8/10/20</a:t>
             </a:fld>
             <a:endParaRPr lang="en-US"/>
           </a:p>
@@ -846,7 +846,7 @@
           </a:lstStyle>
           <a:p>
             <a:r>
-              <a:rPr lang="en-US" smtClean="0"/>
+              <a:rPr lang="en-US"/>
               <a:t>Click to edit Master title style</a:t>
             </a:r>
             <a:endParaRPr lang="en-US" dirty="0"/>
@@ -966,7 +966,7 @@
           <a:p>
             <a:pPr lvl="0"/>
             <a:r>
-              <a:rPr lang="en-US" smtClean="0"/>
+              <a:rPr lang="en-US"/>
               <a:t>Click to edit Master text styles</a:t>
             </a:r>
           </a:p>
@@ -989,7 +989,7 @@
           <a:p>
             <a:fld id="{EC4EA31E-8F8E-874E-8707-EA6F71849ACC}" type="datetimeFigureOut">
               <a:rPr lang="en-US" smtClean="0"/>
-              <a:t>12/11/17</a:t>
+              <a:t>8/10/20</a:t>
             </a:fld>
             <a:endParaRPr lang="en-US"/>
           </a:p>
@@ -1078,7 +1078,7 @@
           <a:lstStyle/>
           <a:p>
             <a:r>
-              <a:rPr lang="en-US" smtClean="0"/>
+              <a:rPr lang="en-US"/>
               <a:t>Click to edit Master title style</a:t>
             </a:r>
             <a:endParaRPr lang="en-US" dirty="0"/>
@@ -1107,35 +1107,35 @@
           <a:p>
             <a:pPr lvl="0"/>
             <a:r>
-              <a:rPr lang="en-US" smtClean="0"/>
+              <a:rPr lang="en-US"/>
               <a:t>Click to edit Master text styles</a:t>
             </a:r>
           </a:p>
           <a:p>
             <a:pPr lvl="1"/>
             <a:r>
-              <a:rPr lang="en-US" smtClean="0"/>
+              <a:rPr lang="en-US"/>
               <a:t>Second level</a:t>
             </a:r>
           </a:p>
           <a:p>
             <a:pPr lvl="2"/>
             <a:r>
-              <a:rPr lang="en-US" smtClean="0"/>
+              <a:rPr lang="en-US"/>
               <a:t>Third level</a:t>
             </a:r>
           </a:p>
           <a:p>
             <a:pPr lvl="3"/>
             <a:r>
-              <a:rPr lang="en-US" smtClean="0"/>
+              <a:rPr lang="en-US"/>
               <a:t>Fourth level</a:t>
             </a:r>
           </a:p>
           <a:p>
             <a:pPr lvl="4"/>
             <a:r>
-              <a:rPr lang="en-US" smtClean="0"/>
+              <a:rPr lang="en-US"/>
               <a:t>Fifth level</a:t>
             </a:r>
             <a:endParaRPr lang="en-US" dirty="0"/>
@@ -1164,35 +1164,35 @@
           <a:p>
             <a:pPr lvl="0"/>
             <a:r>
-              <a:rPr lang="en-US" smtClean="0"/>
+              <a:rPr lang="en-US"/>
               <a:t>Click to edit Master text styles</a:t>
             </a:r>
           </a:p>
           <a:p>
             <a:pPr lvl="1"/>
             <a:r>
-              <a:rPr lang="en-US" smtClean="0"/>
+              <a:rPr lang="en-US"/>
               <a:t>Second level</a:t>
             </a:r>
           </a:p>
           <a:p>
             <a:pPr lvl="2"/>
             <a:r>
-              <a:rPr lang="en-US" smtClean="0"/>
+              <a:rPr lang="en-US"/>
               <a:t>Third level</a:t>
             </a:r>
           </a:p>
           <a:p>
             <a:pPr lvl="3"/>
             <a:r>
-              <a:rPr lang="en-US" smtClean="0"/>
+              <a:rPr lang="en-US"/>
               <a:t>Fourth level</a:t>
             </a:r>
           </a:p>
           <a:p>
             <a:pPr lvl="4"/>
             <a:r>
-              <a:rPr lang="en-US" smtClean="0"/>
+              <a:rPr lang="en-US"/>
               <a:t>Fifth level</a:t>
             </a:r>
             <a:endParaRPr lang="en-US" dirty="0"/>
@@ -1216,7 +1216,7 @@
           <a:p>
             <a:fld id="{EC4EA31E-8F8E-874E-8707-EA6F71849ACC}" type="datetimeFigureOut">
               <a:rPr lang="en-US" smtClean="0"/>
-              <a:t>12/11/17</a:t>
+              <a:t>8/10/20</a:t>
             </a:fld>
             <a:endParaRPr lang="en-US"/>
           </a:p>
@@ -1310,7 +1310,7 @@
           <a:lstStyle/>
           <a:p>
             <a:r>
-              <a:rPr lang="en-US" smtClean="0"/>
+              <a:rPr lang="en-US"/>
               <a:t>Click to edit Master title style</a:t>
             </a:r>
             <a:endParaRPr lang="en-US" dirty="0"/>
@@ -1376,7 +1376,7 @@
           <a:p>
             <a:pPr lvl="0"/>
             <a:r>
-              <a:rPr lang="en-US" smtClean="0"/>
+              <a:rPr lang="en-US"/>
               <a:t>Click to edit Master text styles</a:t>
             </a:r>
           </a:p>
@@ -1404,35 +1404,35 @@
           <a:p>
             <a:pPr lvl="0"/>
             <a:r>
-              <a:rPr lang="en-US" smtClean="0"/>
+              <a:rPr lang="en-US"/>
               <a:t>Click to edit Master text styles</a:t>
             </a:r>
           </a:p>
           <a:p>
             <a:pPr lvl="1"/>
             <a:r>
-              <a:rPr lang="en-US" smtClean="0"/>
+              <a:rPr lang="en-US"/>
               <a:t>Second level</a:t>
             </a:r>
           </a:p>
           <a:p>
             <a:pPr lvl="2"/>
             <a:r>
-              <a:rPr lang="en-US" smtClean="0"/>
+              <a:rPr lang="en-US"/>
               <a:t>Third level</a:t>
             </a:r>
           </a:p>
           <a:p>
             <a:pPr lvl="3"/>
             <a:r>
-              <a:rPr lang="en-US" smtClean="0"/>
+              <a:rPr lang="en-US"/>
               <a:t>Fourth level</a:t>
             </a:r>
           </a:p>
           <a:p>
             <a:pPr lvl="4"/>
             <a:r>
-              <a:rPr lang="en-US" smtClean="0"/>
+              <a:rPr lang="en-US"/>
               <a:t>Fifth level</a:t>
             </a:r>
             <a:endParaRPr lang="en-US" dirty="0"/>
@@ -1498,7 +1498,7 @@
           <a:p>
             <a:pPr lvl="0"/>
             <a:r>
-              <a:rPr lang="en-US" smtClean="0"/>
+              <a:rPr lang="en-US"/>
               <a:t>Click to edit Master text styles</a:t>
             </a:r>
           </a:p>
@@ -1526,35 +1526,35 @@
           <a:p>
             <a:pPr lvl="0"/>
             <a:r>
-              <a:rPr lang="en-US" smtClean="0"/>
+              <a:rPr lang="en-US"/>
               <a:t>Click to edit Master text styles</a:t>
             </a:r>
           </a:p>
           <a:p>
             <a:pPr lvl="1"/>
             <a:r>
-              <a:rPr lang="en-US" smtClean="0"/>
+              <a:rPr lang="en-US"/>
               <a:t>Second level</a:t>
             </a:r>
           </a:p>
           <a:p>
             <a:pPr lvl="2"/>
             <a:r>
-              <a:rPr lang="en-US" smtClean="0"/>
+              <a:rPr lang="en-US"/>
               <a:t>Third level</a:t>
             </a:r>
           </a:p>
           <a:p>
             <a:pPr lvl="3"/>
             <a:r>
-              <a:rPr lang="en-US" smtClean="0"/>
+              <a:rPr lang="en-US"/>
               <a:t>Fourth level</a:t>
             </a:r>
           </a:p>
           <a:p>
             <a:pPr lvl="4"/>
             <a:r>
-              <a:rPr lang="en-US" smtClean="0"/>
+              <a:rPr lang="en-US"/>
               <a:t>Fifth level</a:t>
             </a:r>
             <a:endParaRPr lang="en-US" dirty="0"/>
@@ -1578,7 +1578,7 @@
           <a:p>
             <a:fld id="{EC4EA31E-8F8E-874E-8707-EA6F71849ACC}" type="datetimeFigureOut">
               <a:rPr lang="en-US" smtClean="0"/>
-              <a:t>12/11/17</a:t>
+              <a:t>8/10/20</a:t>
             </a:fld>
             <a:endParaRPr lang="en-US"/>
           </a:p>
@@ -1667,7 +1667,7 @@
           <a:lstStyle/>
           <a:p>
             <a:r>
-              <a:rPr lang="en-US" smtClean="0"/>
+              <a:rPr lang="en-US"/>
               <a:t>Click to edit Master title style</a:t>
             </a:r>
             <a:endParaRPr lang="en-US" dirty="0"/>
@@ -1691,7 +1691,7 @@
           <a:p>
             <a:fld id="{EC4EA31E-8F8E-874E-8707-EA6F71849ACC}" type="datetimeFigureOut">
               <a:rPr lang="en-US" smtClean="0"/>
-              <a:t>12/11/17</a:t>
+              <a:t>8/10/20</a:t>
             </a:fld>
             <a:endParaRPr lang="en-US"/>
           </a:p>
@@ -1781,7 +1781,7 @@
           <a:p>
             <a:fld id="{EC4EA31E-8F8E-874E-8707-EA6F71849ACC}" type="datetimeFigureOut">
               <a:rPr lang="en-US" smtClean="0"/>
-              <a:t>12/11/17</a:t>
+              <a:t>8/10/20</a:t>
             </a:fld>
             <a:endParaRPr lang="en-US"/>
           </a:p>
@@ -1879,7 +1879,7 @@
           </a:lstStyle>
           <a:p>
             <a:r>
-              <a:rPr lang="en-US" smtClean="0"/>
+              <a:rPr lang="en-US"/>
               <a:t>Click to edit Master title style</a:t>
             </a:r>
             <a:endParaRPr lang="en-US" dirty="0"/>
@@ -1936,35 +1936,35 @@
           <a:p>
             <a:pPr lvl="0"/>
             <a:r>
-              <a:rPr lang="en-US" smtClean="0"/>
+              <a:rPr lang="en-US"/>
               <a:t>Click to edit Master text styles</a:t>
             </a:r>
           </a:p>
           <a:p>
             <a:pPr lvl="1"/>
             <a:r>
-              <a:rPr lang="en-US" smtClean="0"/>
+              <a:rPr lang="en-US"/>
               <a:t>Second level</a:t>
             </a:r>
           </a:p>
           <a:p>
             <a:pPr lvl="2"/>
             <a:r>
-              <a:rPr lang="en-US" smtClean="0"/>
+              <a:rPr lang="en-US"/>
               <a:t>Third level</a:t>
             </a:r>
           </a:p>
           <a:p>
             <a:pPr lvl="3"/>
             <a:r>
-              <a:rPr lang="en-US" smtClean="0"/>
+              <a:rPr lang="en-US"/>
               <a:t>Fourth level</a:t>
             </a:r>
           </a:p>
           <a:p>
             <a:pPr lvl="4"/>
             <a:r>
-              <a:rPr lang="en-US" smtClean="0"/>
+              <a:rPr lang="en-US"/>
               <a:t>Fifth level</a:t>
             </a:r>
             <a:endParaRPr lang="en-US" dirty="0"/>
@@ -2030,7 +2030,7 @@
           <a:p>
             <a:pPr lvl="0"/>
             <a:r>
-              <a:rPr lang="en-US" smtClean="0"/>
+              <a:rPr lang="en-US"/>
               <a:t>Click to edit Master text styles</a:t>
             </a:r>
           </a:p>
@@ -2053,7 +2053,7 @@
           <a:p>
             <a:fld id="{EC4EA31E-8F8E-874E-8707-EA6F71849ACC}" type="datetimeFigureOut">
               <a:rPr lang="en-US" smtClean="0"/>
-              <a:t>12/11/17</a:t>
+              <a:t>8/10/20</a:t>
             </a:fld>
             <a:endParaRPr lang="en-US"/>
           </a:p>
@@ -2151,7 +2151,7 @@
           </a:lstStyle>
           <a:p>
             <a:r>
-              <a:rPr lang="en-US" smtClean="0"/>
+              <a:rPr lang="en-US"/>
               <a:t>Click to edit Master title style</a:t>
             </a:r>
             <a:endParaRPr lang="en-US" dirty="0"/>
@@ -2216,7 +2216,7 @@
           </a:lstStyle>
           <a:p>
             <a:r>
-              <a:rPr lang="en-US" smtClean="0"/>
+              <a:rPr lang="en-US"/>
               <a:t>Drag picture to placeholder or click icon to add</a:t>
             </a:r>
             <a:endParaRPr lang="en-US" dirty="0"/>
@@ -2282,7 +2282,7 @@
           <a:p>
             <a:pPr lvl="0"/>
             <a:r>
-              <a:rPr lang="en-US" smtClean="0"/>
+              <a:rPr lang="en-US"/>
               <a:t>Click to edit Master text styles</a:t>
             </a:r>
           </a:p>
@@ -2305,7 +2305,7 @@
           <a:p>
             <a:fld id="{EC4EA31E-8F8E-874E-8707-EA6F71849ACC}" type="datetimeFigureOut">
               <a:rPr lang="en-US" smtClean="0"/>
-              <a:t>12/11/17</a:t>
+              <a:t>8/10/20</a:t>
             </a:fld>
             <a:endParaRPr lang="en-US"/>
           </a:p>
@@ -2409,7 +2409,7 @@
           <a:lstStyle/>
           <a:p>
             <a:r>
-              <a:rPr lang="en-US" smtClean="0"/>
+              <a:rPr lang="en-US"/>
               <a:t>Click to edit Master title style</a:t>
             </a:r>
             <a:endParaRPr lang="en-US" dirty="0"/>
@@ -2443,35 +2443,35 @@
           <a:p>
             <a:pPr lvl="0"/>
             <a:r>
-              <a:rPr lang="en-US" smtClean="0"/>
+              <a:rPr lang="en-US"/>
               <a:t>Click to edit Master text styles</a:t>
             </a:r>
           </a:p>
           <a:p>
             <a:pPr lvl="1"/>
             <a:r>
-              <a:rPr lang="en-US" smtClean="0"/>
+              <a:rPr lang="en-US"/>
               <a:t>Second level</a:t>
             </a:r>
           </a:p>
           <a:p>
             <a:pPr lvl="2"/>
             <a:r>
-              <a:rPr lang="en-US" smtClean="0"/>
+              <a:rPr lang="en-US"/>
               <a:t>Third level</a:t>
             </a:r>
           </a:p>
           <a:p>
             <a:pPr lvl="3"/>
             <a:r>
-              <a:rPr lang="en-US" smtClean="0"/>
+              <a:rPr lang="en-US"/>
               <a:t>Fourth level</a:t>
             </a:r>
           </a:p>
           <a:p>
             <a:pPr lvl="4"/>
             <a:r>
-              <a:rPr lang="en-US" smtClean="0"/>
+              <a:rPr lang="en-US"/>
               <a:t>Fifth level</a:t>
             </a:r>
             <a:endParaRPr lang="en-US" dirty="0"/>
@@ -2513,7 +2513,7 @@
           <a:p>
             <a:fld id="{EC4EA31E-8F8E-874E-8707-EA6F71849ACC}" type="datetimeFigureOut">
               <a:rPr lang="en-US" smtClean="0"/>
-              <a:t>12/11/17</a:t>
+              <a:t>8/10/20</a:t>
             </a:fld>
             <a:endParaRPr lang="en-US"/>
           </a:p>
@@ -2948,22 +2948,13 @@
               <a:rPr lang="en-US" sz="3600" dirty="0"/>
             </a:br>
             <a:r>
+              <a:rPr lang="en-US" sz="3600"/>
+              <a:t>SEIS 615 </a:t>
+            </a:r>
+            <a:r>
               <a:rPr lang="en-US" sz="3600" dirty="0"/>
-              <a:t>SEIS </a:t>
-            </a:r>
-            <a:r>
-              <a:rPr lang="en-US" sz="3600" dirty="0" smtClean="0"/>
-              <a:t>665</a:t>
-            </a:r>
-            <a:r>
-              <a:rPr lang="en-US" sz="3600" dirty="0"/>
-              <a:t> </a:t>
-            </a:r>
-            <a:r>
-              <a:rPr lang="en-US" sz="3600" dirty="0" smtClean="0"/>
               <a:t>Final Challenge</a:t>
             </a:r>
-            <a:endParaRPr lang="en-US" sz="3600" dirty="0"/>
           </a:p>
         </p:txBody>
       </p:sp>
@@ -2985,7 +2976,7 @@
         </p:spPr>
         <p:txBody>
           <a:bodyPr>
-            <a:normAutofit fontScale="85000" lnSpcReduction="20000"/>
+            <a:normAutofit fontScale="77500" lnSpcReduction="20000"/>
           </a:bodyPr>
           <a:lstStyle/>
           <a:p>
@@ -2994,24 +2985,16 @@
               <a:buChar char="•"/>
             </a:pPr>
             <a:r>
-              <a:rPr lang="en-US" dirty="0" smtClean="0"/>
-              <a:t>Practical </a:t>
-            </a:r>
-            <a:r>
-              <a:rPr lang="en-US" dirty="0" smtClean="0"/>
-              <a:t>exam incorporating technologies from the 2</a:t>
-            </a:r>
-            <a:r>
-              <a:rPr lang="en-US" baseline="30000" dirty="0" smtClean="0"/>
+              <a:rPr lang="en-US" dirty="0"/>
+              <a:t>Practical exam focusing on skills we learned in the 2</a:t>
+            </a:r>
+            <a:r>
+              <a:rPr lang="en-US" baseline="30000" dirty="0"/>
               <a:t>nd</a:t>
             </a:r>
             <a:r>
-              <a:rPr lang="en-US" dirty="0" smtClean="0"/>
-              <a:t> half of the semester</a:t>
-            </a:r>
-            <a:r>
-              <a:rPr lang="en-US" dirty="0" smtClean="0"/>
-              <a:t>.</a:t>
+              <a:rPr lang="en-US" dirty="0"/>
+              <a:t> half of the semester.</a:t>
             </a:r>
           </a:p>
           <a:p>
@@ -3027,10 +3010,9 @@
               <a:buChar char="•"/>
             </a:pPr>
             <a:r>
-              <a:rPr lang="en-US" dirty="0" smtClean="0"/>
+              <a:rPr lang="en-US" dirty="0"/>
               <a:t>Complete IDEA web evaluation!</a:t>
             </a:r>
-            <a:endParaRPr lang="en-US" dirty="0" smtClean="0"/>
           </a:p>
           <a:p>
             <a:pPr marL="342900" indent="-342900" algn="l">
@@ -3045,20 +3027,8 @@
               <a:buChar char="•"/>
             </a:pPr>
             <a:r>
-              <a:rPr lang="en-US" dirty="0" smtClean="0"/>
-              <a:t>You </a:t>
-            </a:r>
-            <a:r>
-              <a:rPr lang="en-US" smtClean="0"/>
-              <a:t>have </a:t>
-            </a:r>
-            <a:r>
-              <a:rPr lang="en-US" smtClean="0"/>
-              <a:t>until 9PM CST to </a:t>
-            </a:r>
-            <a:r>
-              <a:rPr lang="en-US" dirty="0" smtClean="0"/>
-              <a:t>complete the test. </a:t>
+              <a:rPr lang="en-US" dirty="0"/>
+              <a:t>You have until 9PM CST to complete the test. Work submitted after 9PM will not be considered.</a:t>
             </a:r>
           </a:p>
           <a:p>
@@ -3074,7 +3044,7 @@
               <a:buChar char="•"/>
             </a:pPr>
             <a:r>
-              <a:rPr lang="en-US" dirty="0" smtClean="0"/>
+              <a:rPr lang="en-US" dirty="0"/>
               <a:t>Open book and Internet access. Slack and other private communications are forbidden.</a:t>
             </a:r>
           </a:p>
@@ -3091,8 +3061,8 @@
               <a:buChar char="•"/>
             </a:pPr>
             <a:r>
-              <a:rPr lang="en-US" dirty="0" smtClean="0"/>
-              <a:t>You must submit a GitHub repository to receive credit for the exam.</a:t>
+              <a:rPr lang="en-US" dirty="0"/>
+              <a:t>You must submit work in a GitHub repository to receive credit for the exam.</a:t>
             </a:r>
           </a:p>
           <a:p>
@@ -3108,22 +3078,22 @@
               <a:buChar char="•"/>
             </a:pPr>
             <a:r>
-              <a:rPr lang="en-US" dirty="0" smtClean="0"/>
+              <a:rPr lang="en-US" dirty="0"/>
               <a:t>Let’s stay in touch!   http://</a:t>
             </a:r>
             <a:r>
-              <a:rPr lang="en-US" dirty="0" err="1" smtClean="0"/>
+              <a:rPr lang="en-US" dirty="0" err="1"/>
               <a:t>www.linkedin.com</a:t>
             </a:r>
             <a:r>
-              <a:rPr lang="en-US" dirty="0" smtClean="0"/>
+              <a:rPr lang="en-US" dirty="0"/>
               <a:t>/in/</a:t>
             </a:r>
             <a:r>
-              <a:rPr lang="en-US" dirty="0" err="1" smtClean="0"/>
+              <a:rPr lang="en-US" dirty="0" err="1"/>
               <a:t>jasondbaker</a:t>
             </a:r>
-            <a:endParaRPr lang="en-US" dirty="0" smtClean="0"/>
+            <a:endParaRPr lang="en-US" dirty="0"/>
           </a:p>
           <a:p>
             <a:pPr marL="342900" indent="-342900" algn="l">
@@ -3182,13 +3152,6 @@
   <p:clrMapOvr>
     <a:masterClrMapping/>
   </p:clrMapOvr>
-  <p:timing>
-    <p:tnLst>
-      <p:par>
-        <p:cTn id="1" dur="indefinite" restart="never" nodeType="tmRoot"/>
-      </p:par>
-    </p:tnLst>
-  </p:timing>
 </p:sld>
 </file>
 
